--- a/Java_2021/What_is_Kafka/What_is_Kafka.pptx
+++ b/Java_2021/What_is_Kafka/What_is_Kafka.pptx
@@ -230,7 +230,7 @@
           <a:p>
             <a:fld id="{62274EC6-3890-417B-9308-14EFBD00FA63}" type="datetimeFigureOut">
               <a:rPr lang="en-US" smtClean="0"/>
-              <a:t>2/2/2023</a:t>
+              <a:t>2/6/2023</a:t>
             </a:fld>
             <a:endParaRPr lang="en-US" dirty="0"/>
           </a:p>
@@ -1478,7 +1478,7 @@
             <a:fld id="{1D8BD707-D9CF-40AE-B4C6-C98DA3205C09}" type="datetimeFigureOut">
               <a:rPr lang="en-US" smtClean="0"/>
               <a:pPr/>
-              <a:t>2/2/2023</a:t>
+              <a:t>2/6/2023</a:t>
             </a:fld>
             <a:endParaRPr lang="en-US" dirty="0"/>
           </a:p>
@@ -1537,11 +1537,11 @@
   <p:clrMapOvr>
     <a:masterClrMapping/>
   </p:clrMapOvr>
-  <mc:AlternateContent xmlns:mc="http://schemas.openxmlformats.org/markup-compatibility/2006" xmlns:p14="http://schemas.microsoft.com/office/powerpoint/2010/main">
-    <mc:Choice Requires="p14">
+  <mc:AlternateContent xmlns:mc="http://schemas.openxmlformats.org/markup-compatibility/2006">
+    <mc:Choice xmlns:p14="http://schemas.microsoft.com/office/powerpoint/2010/main" Requires="p14">
       <p:transition p14:dur="0" advClick="0"/>
     </mc:Choice>
-    <mc:Fallback xmlns="">
+    <mc:Fallback>
       <p:transition advClick="0"/>
     </mc:Fallback>
   </mc:AlternateContent>
@@ -1656,7 +1656,7 @@
             <a:fld id="{1D8BD707-D9CF-40AE-B4C6-C98DA3205C09}" type="datetimeFigureOut">
               <a:rPr lang="en-US" smtClean="0"/>
               <a:pPr/>
-              <a:t>2/2/2023</a:t>
+              <a:t>2/6/2023</a:t>
             </a:fld>
             <a:endParaRPr lang="en-US" dirty="0"/>
           </a:p>
@@ -1715,11 +1715,11 @@
   <p:clrMapOvr>
     <a:masterClrMapping/>
   </p:clrMapOvr>
-  <mc:AlternateContent xmlns:mc="http://schemas.openxmlformats.org/markup-compatibility/2006" xmlns:p14="http://schemas.microsoft.com/office/powerpoint/2010/main">
-    <mc:Choice Requires="p14">
+  <mc:AlternateContent xmlns:mc="http://schemas.openxmlformats.org/markup-compatibility/2006">
+    <mc:Choice xmlns:p14="http://schemas.microsoft.com/office/powerpoint/2010/main" Requires="p14">
       <p:transition p14:dur="0" advClick="0"/>
     </mc:Choice>
-    <mc:Fallback xmlns="">
+    <mc:Fallback>
       <p:transition advClick="0"/>
     </mc:Fallback>
   </mc:AlternateContent>
@@ -1844,7 +1844,7 @@
             <a:fld id="{1D8BD707-D9CF-40AE-B4C6-C98DA3205C09}" type="datetimeFigureOut">
               <a:rPr lang="en-US" smtClean="0"/>
               <a:pPr/>
-              <a:t>2/2/2023</a:t>
+              <a:t>2/6/2023</a:t>
             </a:fld>
             <a:endParaRPr lang="en-US" dirty="0"/>
           </a:p>
@@ -1903,11 +1903,11 @@
   <p:clrMapOvr>
     <a:masterClrMapping/>
   </p:clrMapOvr>
-  <mc:AlternateContent xmlns:mc="http://schemas.openxmlformats.org/markup-compatibility/2006" xmlns:p14="http://schemas.microsoft.com/office/powerpoint/2010/main">
-    <mc:Choice Requires="p14">
+  <mc:AlternateContent xmlns:mc="http://schemas.openxmlformats.org/markup-compatibility/2006">
+    <mc:Choice xmlns:p14="http://schemas.microsoft.com/office/powerpoint/2010/main" Requires="p14">
       <p:transition p14:dur="0" advClick="0"/>
     </mc:Choice>
-    <mc:Fallback xmlns="">
+    <mc:Fallback>
       <p:transition advClick="0"/>
     </mc:Fallback>
   </mc:AlternateContent>
@@ -2022,7 +2022,7 @@
             <a:fld id="{1D8BD707-D9CF-40AE-B4C6-C98DA3205C09}" type="datetimeFigureOut">
               <a:rPr lang="en-US" smtClean="0"/>
               <a:pPr/>
-              <a:t>2/2/2023</a:t>
+              <a:t>2/6/2023</a:t>
             </a:fld>
             <a:endParaRPr lang="en-US" dirty="0"/>
           </a:p>
@@ -2081,11 +2081,11 @@
   <p:clrMapOvr>
     <a:masterClrMapping/>
   </p:clrMapOvr>
-  <mc:AlternateContent xmlns:mc="http://schemas.openxmlformats.org/markup-compatibility/2006" xmlns:p14="http://schemas.microsoft.com/office/powerpoint/2010/main">
-    <mc:Choice Requires="p14">
+  <mc:AlternateContent xmlns:mc="http://schemas.openxmlformats.org/markup-compatibility/2006">
+    <mc:Choice xmlns:p14="http://schemas.microsoft.com/office/powerpoint/2010/main" Requires="p14">
       <p:transition p14:dur="0" advClick="0"/>
     </mc:Choice>
-    <mc:Fallback xmlns="">
+    <mc:Fallback>
       <p:transition advClick="0"/>
     </mc:Fallback>
   </mc:AlternateContent>
@@ -2277,7 +2277,7 @@
             <a:fld id="{1D8BD707-D9CF-40AE-B4C6-C98DA3205C09}" type="datetimeFigureOut">
               <a:rPr lang="en-US" smtClean="0"/>
               <a:pPr/>
-              <a:t>2/2/2023</a:t>
+              <a:t>2/6/2023</a:t>
             </a:fld>
             <a:endParaRPr lang="en-US" dirty="0"/>
           </a:p>
@@ -2336,11 +2336,11 @@
   <p:clrMapOvr>
     <a:masterClrMapping/>
   </p:clrMapOvr>
-  <mc:AlternateContent xmlns:mc="http://schemas.openxmlformats.org/markup-compatibility/2006" xmlns:p14="http://schemas.microsoft.com/office/powerpoint/2010/main">
-    <mc:Choice Requires="p14">
+  <mc:AlternateContent xmlns:mc="http://schemas.openxmlformats.org/markup-compatibility/2006">
+    <mc:Choice xmlns:p14="http://schemas.microsoft.com/office/powerpoint/2010/main" Requires="p14">
       <p:transition p14:dur="0" advClick="0"/>
     </mc:Choice>
-    <mc:Fallback xmlns="">
+    <mc:Fallback>
       <p:transition advClick="0"/>
     </mc:Fallback>
   </mc:AlternateContent>
@@ -2572,7 +2572,7 @@
             <a:fld id="{1D8BD707-D9CF-40AE-B4C6-C98DA3205C09}" type="datetimeFigureOut">
               <a:rPr lang="en-US" smtClean="0"/>
               <a:pPr/>
-              <a:t>2/2/2023</a:t>
+              <a:t>2/6/2023</a:t>
             </a:fld>
             <a:endParaRPr lang="en-US" dirty="0"/>
           </a:p>
@@ -2631,11 +2631,11 @@
   <p:clrMapOvr>
     <a:masterClrMapping/>
   </p:clrMapOvr>
-  <mc:AlternateContent xmlns:mc="http://schemas.openxmlformats.org/markup-compatibility/2006" xmlns:p14="http://schemas.microsoft.com/office/powerpoint/2010/main">
-    <mc:Choice Requires="p14">
+  <mc:AlternateContent xmlns:mc="http://schemas.openxmlformats.org/markup-compatibility/2006">
+    <mc:Choice xmlns:p14="http://schemas.microsoft.com/office/powerpoint/2010/main" Requires="p14">
       <p:transition p14:dur="0" advClick="0"/>
     </mc:Choice>
-    <mc:Fallback xmlns="">
+    <mc:Fallback>
       <p:transition advClick="0"/>
     </mc:Fallback>
   </mc:AlternateContent>
@@ -3006,7 +3006,7 @@
             <a:fld id="{1D8BD707-D9CF-40AE-B4C6-C98DA3205C09}" type="datetimeFigureOut">
               <a:rPr lang="en-US" smtClean="0"/>
               <a:pPr/>
-              <a:t>2/2/2023</a:t>
+              <a:t>2/6/2023</a:t>
             </a:fld>
             <a:endParaRPr lang="en-US" dirty="0"/>
           </a:p>
@@ -3065,11 +3065,11 @@
   <p:clrMapOvr>
     <a:masterClrMapping/>
   </p:clrMapOvr>
-  <mc:AlternateContent xmlns:mc="http://schemas.openxmlformats.org/markup-compatibility/2006" xmlns:p14="http://schemas.microsoft.com/office/powerpoint/2010/main">
-    <mc:Choice Requires="p14">
+  <mc:AlternateContent xmlns:mc="http://schemas.openxmlformats.org/markup-compatibility/2006">
+    <mc:Choice xmlns:p14="http://schemas.microsoft.com/office/powerpoint/2010/main" Requires="p14">
       <p:transition p14:dur="0" advClick="0"/>
     </mc:Choice>
-    <mc:Fallback xmlns="">
+    <mc:Fallback>
       <p:transition advClick="0"/>
     </mc:Fallback>
   </mc:AlternateContent>
@@ -3133,7 +3133,7 @@
             <a:fld id="{1D8BD707-D9CF-40AE-B4C6-C98DA3205C09}" type="datetimeFigureOut">
               <a:rPr lang="en-US" smtClean="0"/>
               <a:pPr/>
-              <a:t>2/2/2023</a:t>
+              <a:t>2/6/2023</a:t>
             </a:fld>
             <a:endParaRPr lang="en-US" dirty="0"/>
           </a:p>
@@ -3192,11 +3192,11 @@
   <p:clrMapOvr>
     <a:masterClrMapping/>
   </p:clrMapOvr>
-  <mc:AlternateContent xmlns:mc="http://schemas.openxmlformats.org/markup-compatibility/2006" xmlns:p14="http://schemas.microsoft.com/office/powerpoint/2010/main">
-    <mc:Choice Requires="p14">
+  <mc:AlternateContent xmlns:mc="http://schemas.openxmlformats.org/markup-compatibility/2006">
+    <mc:Choice xmlns:p14="http://schemas.microsoft.com/office/powerpoint/2010/main" Requires="p14">
       <p:transition p14:dur="0" advClick="0"/>
     </mc:Choice>
-    <mc:Fallback xmlns="">
+    <mc:Fallback>
       <p:transition advClick="0"/>
     </mc:Fallback>
   </mc:AlternateContent>
@@ -3238,7 +3238,7 @@
             <a:fld id="{1D8BD707-D9CF-40AE-B4C6-C98DA3205C09}" type="datetimeFigureOut">
               <a:rPr lang="en-US" smtClean="0"/>
               <a:pPr/>
-              <a:t>2/2/2023</a:t>
+              <a:t>2/6/2023</a:t>
             </a:fld>
             <a:endParaRPr lang="en-US" dirty="0"/>
           </a:p>
@@ -3297,11 +3297,11 @@
   <p:clrMapOvr>
     <a:masterClrMapping/>
   </p:clrMapOvr>
-  <mc:AlternateContent xmlns:mc="http://schemas.openxmlformats.org/markup-compatibility/2006" xmlns:p14="http://schemas.microsoft.com/office/powerpoint/2010/main">
-    <mc:Choice Requires="p14">
+  <mc:AlternateContent xmlns:mc="http://schemas.openxmlformats.org/markup-compatibility/2006">
+    <mc:Choice xmlns:p14="http://schemas.microsoft.com/office/powerpoint/2010/main" Requires="p14">
       <p:transition p14:dur="0" advClick="0"/>
     </mc:Choice>
-    <mc:Fallback xmlns="">
+    <mc:Fallback>
       <p:transition advClick="0"/>
     </mc:Fallback>
   </mc:AlternateContent>
@@ -3523,7 +3523,7 @@
             <a:fld id="{1D8BD707-D9CF-40AE-B4C6-C98DA3205C09}" type="datetimeFigureOut">
               <a:rPr lang="en-US" smtClean="0"/>
               <a:pPr/>
-              <a:t>2/2/2023</a:t>
+              <a:t>2/6/2023</a:t>
             </a:fld>
             <a:endParaRPr lang="en-US" dirty="0"/>
           </a:p>
@@ -3582,11 +3582,11 @@
   <p:clrMapOvr>
     <a:masterClrMapping/>
   </p:clrMapOvr>
-  <mc:AlternateContent xmlns:mc="http://schemas.openxmlformats.org/markup-compatibility/2006" xmlns:p14="http://schemas.microsoft.com/office/powerpoint/2010/main">
-    <mc:Choice Requires="p14">
+  <mc:AlternateContent xmlns:mc="http://schemas.openxmlformats.org/markup-compatibility/2006">
+    <mc:Choice xmlns:p14="http://schemas.microsoft.com/office/powerpoint/2010/main" Requires="p14">
       <p:transition p14:dur="0" advClick="0"/>
     </mc:Choice>
-    <mc:Fallback xmlns="">
+    <mc:Fallback>
       <p:transition advClick="0"/>
     </mc:Fallback>
   </mc:AlternateContent>
@@ -3785,7 +3785,7 @@
             <a:fld id="{1D8BD707-D9CF-40AE-B4C6-C98DA3205C09}" type="datetimeFigureOut">
               <a:rPr lang="en-US" smtClean="0"/>
               <a:pPr/>
-              <a:t>2/2/2023</a:t>
+              <a:t>2/6/2023</a:t>
             </a:fld>
             <a:endParaRPr lang="en-US" dirty="0"/>
           </a:p>
@@ -3844,11 +3844,11 @@
   <p:clrMapOvr>
     <a:masterClrMapping/>
   </p:clrMapOvr>
-  <mc:AlternateContent xmlns:mc="http://schemas.openxmlformats.org/markup-compatibility/2006" xmlns:p14="http://schemas.microsoft.com/office/powerpoint/2010/main">
-    <mc:Choice Requires="p14">
+  <mc:AlternateContent xmlns:mc="http://schemas.openxmlformats.org/markup-compatibility/2006">
+    <mc:Choice xmlns:p14="http://schemas.microsoft.com/office/powerpoint/2010/main" Requires="p14">
       <p:transition p14:dur="0" advClick="0"/>
     </mc:Choice>
-    <mc:Fallback xmlns="">
+    <mc:Fallback>
       <p:transition advClick="0"/>
     </mc:Fallback>
   </mc:AlternateContent>
@@ -4006,7 +4006,7 @@
             <a:fld id="{1D8BD707-D9CF-40AE-B4C6-C98DA3205C09}" type="datetimeFigureOut">
               <a:rPr lang="en-US" smtClean="0"/>
               <a:pPr/>
-              <a:t>2/2/2023</a:t>
+              <a:t>2/6/2023</a:t>
             </a:fld>
             <a:endParaRPr lang="en-US" dirty="0"/>
           </a:p>
@@ -4112,11 +4112,11 @@
     <p:sldLayoutId id="2147483682" r:id="rId10"/>
     <p:sldLayoutId id="2147483683" r:id="rId11"/>
   </p:sldLayoutIdLst>
-  <mc:AlternateContent xmlns:mc="http://schemas.openxmlformats.org/markup-compatibility/2006" xmlns:p14="http://schemas.microsoft.com/office/powerpoint/2010/main">
-    <mc:Choice Requires="p14">
+  <mc:AlternateContent xmlns:mc="http://schemas.openxmlformats.org/markup-compatibility/2006">
+    <mc:Choice xmlns:p14="http://schemas.microsoft.com/office/powerpoint/2010/main" Requires="p14">
       <p:transition p14:dur="0" advClick="0"/>
     </mc:Choice>
-    <mc:Fallback xmlns="">
+    <mc:Fallback>
       <p:transition advClick="0"/>
     </mc:Fallback>
   </mc:AlternateContent>
@@ -4970,11 +4970,11 @@
   <p:clrMapOvr>
     <a:masterClrMapping/>
   </p:clrMapOvr>
-  <mc:AlternateContent xmlns:mc="http://schemas.openxmlformats.org/markup-compatibility/2006" xmlns:p14="http://schemas.microsoft.com/office/powerpoint/2010/main">
-    <mc:Choice Requires="p14">
+  <mc:AlternateContent xmlns:mc="http://schemas.openxmlformats.org/markup-compatibility/2006">
+    <mc:Choice xmlns:p14="http://schemas.microsoft.com/office/powerpoint/2010/main" Requires="p14">
       <p:transition p14:dur="0" advClick="0"/>
     </mc:Choice>
-    <mc:Fallback xmlns="">
+    <mc:Fallback>
       <p:transition advClick="0"/>
     </mc:Fallback>
   </mc:AlternateContent>
@@ -5558,11 +5558,11 @@
   <p:clrMapOvr>
     <a:masterClrMapping/>
   </p:clrMapOvr>
-  <mc:AlternateContent xmlns:mc="http://schemas.openxmlformats.org/markup-compatibility/2006" xmlns:p14="http://schemas.microsoft.com/office/powerpoint/2010/main">
-    <mc:Choice Requires="p14">
+  <mc:AlternateContent xmlns:mc="http://schemas.openxmlformats.org/markup-compatibility/2006">
+    <mc:Choice xmlns:p14="http://schemas.microsoft.com/office/powerpoint/2010/main" Requires="p14">
       <p:transition p14:dur="0" advClick="0"/>
     </mc:Choice>
-    <mc:Fallback xmlns="">
+    <mc:Fallback>
       <p:transition advClick="0"/>
     </mc:Fallback>
   </mc:AlternateContent>
@@ -5892,11 +5892,11 @@
   <p:clrMapOvr>
     <a:masterClrMapping/>
   </p:clrMapOvr>
-  <mc:AlternateContent xmlns:mc="http://schemas.openxmlformats.org/markup-compatibility/2006" xmlns:p14="http://schemas.microsoft.com/office/powerpoint/2010/main">
-    <mc:Choice Requires="p14">
+  <mc:AlternateContent xmlns:mc="http://schemas.openxmlformats.org/markup-compatibility/2006">
+    <mc:Choice xmlns:p14="http://schemas.microsoft.com/office/powerpoint/2010/main" Requires="p14">
       <p:transition p14:dur="0" advClick="0"/>
     </mc:Choice>
-    <mc:Fallback xmlns="">
+    <mc:Fallback>
       <p:transition advClick="0"/>
     </mc:Fallback>
   </mc:AlternateContent>
@@ -6278,11 +6278,11 @@
   <p:clrMapOvr>
     <a:masterClrMapping/>
   </p:clrMapOvr>
-  <mc:AlternateContent xmlns:mc="http://schemas.openxmlformats.org/markup-compatibility/2006" xmlns:p14="http://schemas.microsoft.com/office/powerpoint/2010/main">
-    <mc:Choice Requires="p14">
+  <mc:AlternateContent xmlns:mc="http://schemas.openxmlformats.org/markup-compatibility/2006">
+    <mc:Choice xmlns:p14="http://schemas.microsoft.com/office/powerpoint/2010/main" Requires="p14">
       <p:transition p14:dur="0" advClick="0"/>
     </mc:Choice>
-    <mc:Fallback xmlns="">
+    <mc:Fallback>
       <p:transition advClick="0"/>
     </mc:Fallback>
   </mc:AlternateContent>
@@ -6612,11 +6612,11 @@
   <p:clrMapOvr>
     <a:masterClrMapping/>
   </p:clrMapOvr>
-  <mc:AlternateContent xmlns:mc="http://schemas.openxmlformats.org/markup-compatibility/2006" xmlns:p14="http://schemas.microsoft.com/office/powerpoint/2010/main">
-    <mc:Choice Requires="p14">
+  <mc:AlternateContent xmlns:mc="http://schemas.openxmlformats.org/markup-compatibility/2006">
+    <mc:Choice xmlns:p14="http://schemas.microsoft.com/office/powerpoint/2010/main" Requires="p14">
       <p:transition p14:dur="0" advClick="0"/>
     </mc:Choice>
-    <mc:Fallback xmlns="">
+    <mc:Fallback>
       <p:transition advClick="0"/>
     </mc:Fallback>
   </mc:AlternateContent>
@@ -7028,11 +7028,11 @@
   <p:clrMapOvr>
     <a:masterClrMapping/>
   </p:clrMapOvr>
-  <mc:AlternateContent xmlns:mc="http://schemas.openxmlformats.org/markup-compatibility/2006" xmlns:p14="http://schemas.microsoft.com/office/powerpoint/2010/main">
-    <mc:Choice Requires="p14">
+  <mc:AlternateContent xmlns:mc="http://schemas.openxmlformats.org/markup-compatibility/2006">
+    <mc:Choice xmlns:p14="http://schemas.microsoft.com/office/powerpoint/2010/main" Requires="p14">
       <p:transition p14:dur="0" advClick="0"/>
     </mc:Choice>
-    <mc:Fallback xmlns="">
+    <mc:Fallback>
       <p:transition advClick="0"/>
     </mc:Fallback>
   </mc:AlternateContent>
@@ -7362,11 +7362,11 @@
   <p:clrMapOvr>
     <a:masterClrMapping/>
   </p:clrMapOvr>
-  <mc:AlternateContent xmlns:mc="http://schemas.openxmlformats.org/markup-compatibility/2006" xmlns:p14="http://schemas.microsoft.com/office/powerpoint/2010/main">
-    <mc:Choice Requires="p14">
+  <mc:AlternateContent xmlns:mc="http://schemas.openxmlformats.org/markup-compatibility/2006">
+    <mc:Choice xmlns:p14="http://schemas.microsoft.com/office/powerpoint/2010/main" Requires="p14">
       <p:transition p14:dur="0" advClick="0"/>
     </mc:Choice>
-    <mc:Fallback xmlns="">
+    <mc:Fallback>
       <p:transition advClick="0"/>
     </mc:Fallback>
   </mc:AlternateContent>
@@ -7771,11 +7771,11 @@
   <p:clrMapOvr>
     <a:masterClrMapping/>
   </p:clrMapOvr>
-  <mc:AlternateContent xmlns:mc="http://schemas.openxmlformats.org/markup-compatibility/2006" xmlns:p14="http://schemas.microsoft.com/office/powerpoint/2010/main">
-    <mc:Choice Requires="p14">
+  <mc:AlternateContent xmlns:mc="http://schemas.openxmlformats.org/markup-compatibility/2006">
+    <mc:Choice xmlns:p14="http://schemas.microsoft.com/office/powerpoint/2010/main" Requires="p14">
       <p:transition p14:dur="0" advClick="0"/>
     </mc:Choice>
-    <mc:Fallback xmlns="">
+    <mc:Fallback>
       <p:transition advClick="0"/>
     </mc:Fallback>
   </mc:AlternateContent>
@@ -8105,10 +8105,10 @@
       </p:sp>
       <p:pic>
         <p:nvPicPr>
-          <p:cNvPr id="7" name="Picture 6">
+          <p:cNvPr id="5" name="Picture 4">
             <a:extLst>
               <a:ext uri="{FF2B5EF4-FFF2-40B4-BE49-F238E27FC236}">
-                <a16:creationId xmlns:a16="http://schemas.microsoft.com/office/drawing/2014/main" id="{6E7CA413-4B67-DDC5-542A-CDF54EA1BD62}"/>
+                <a16:creationId xmlns:a16="http://schemas.microsoft.com/office/drawing/2014/main" id="{B7117765-19BE-B074-C750-FACD2F133788}"/>
               </a:ext>
             </a:extLst>
           </p:cNvPr>
@@ -8118,7 +8118,7 @@
           <p:nvPr/>
         </p:nvPicPr>
         <p:blipFill>
-          <a:blip r:embed="rId3" cstate="print">
+          <a:blip r:embed="rId3">
             <a:extLst>
               <a:ext uri="{28A0092B-C50C-407E-A947-70E740481C1C}">
                 <a14:useLocalDpi xmlns:a14="http://schemas.microsoft.com/office/drawing/2010/main" val="0"/>
@@ -8131,8 +8131,8 @@
         </p:blipFill>
         <p:spPr>
           <a:xfrm>
-            <a:off x="1020235" y="1099766"/>
-            <a:ext cx="9562392" cy="5707141"/>
+            <a:off x="986368" y="1248897"/>
+            <a:ext cx="10287000" cy="5319115"/>
           </a:xfrm>
           <a:prstGeom prst="rect">
             <a:avLst/>
@@ -8149,11 +8149,11 @@
   <p:clrMapOvr>
     <a:masterClrMapping/>
   </p:clrMapOvr>
-  <mc:AlternateContent xmlns:mc="http://schemas.openxmlformats.org/markup-compatibility/2006" xmlns:p14="http://schemas.microsoft.com/office/powerpoint/2010/main">
-    <mc:Choice Requires="p14">
+  <mc:AlternateContent xmlns:mc="http://schemas.openxmlformats.org/markup-compatibility/2006">
+    <mc:Choice xmlns:p14="http://schemas.microsoft.com/office/powerpoint/2010/main" Requires="p14">
       <p:transition p14:dur="0" advClick="0"/>
     </mc:Choice>
-    <mc:Fallback xmlns="">
+    <mc:Fallback>
       <p:transition advClick="0"/>
     </mc:Fallback>
   </mc:AlternateContent>
